--- a/uploads/informes/1/97.pptx
+++ b/uploads/informes/1/97.pptx
@@ -4269,7 +4269,7 @@
                           </a:solidFill>
                           <a:latin typeface="Calibri"/>
                         </a:rPr>
-                        <a:t><![CDATA[TORRE 2011 REPARACIÓN LOGO EN MÓDULOS LOGOS EN ACRILICOS BLANCO/TRASPARANETE DEPENDIENDO LOGO O LETRA]]></a:t>
+                        <a:t><![CDATA[Mano de Obra MESON 2011]]></a:t>
                       </a:r>
                     </a:p>
                   </a:txBody>
@@ -4419,7 +4419,7 @@
                           </a:solidFill>
                           <a:latin typeface="Calibri"/>
                         </a:rPr>
-                        <a:t><![CDATA[19076]]></a:t>
+                        <a:t><![CDATA[30120]]></a:t>
                       </a:r>
                     </a:p>
                   </a:txBody>
@@ -4496,7 +4496,7 @@
                           </a:solidFill>
                           <a:latin typeface="Calibri"/>
                         </a:rPr>
-                        <a:t><![CDATA[Mano de Obra MESON 2011]]></a:t>
+                        <a:t><![CDATA[preuba MESON 2011]]></a:t>
                       </a:r>
                     </a:p>
                   </a:txBody>
@@ -4646,7 +4646,234 @@
                           </a:solidFill>
                           <a:latin typeface="Calibri"/>
                         </a:rPr>
-                        <a:t><![CDATA[30120]]></a:t>
+                        <a:t><![CDATA[1123]]></a:t>
+                      </a:r>
+                    </a:p>
+                  </a:txBody>
+                  <a:tcPr>
+                    <a:lnL w="12700" cap="flat" cmpd="sng" algn="ctr">
+                      <a:solidFill>
+                        <a:srgbClr val="000000"/>
+                      </a:solidFill>
+                      <a:prstDash val="solid"/>
+                      <a:round/>
+                      <a:headEnd type="none" w="med" len="med"/>
+                      <a:tailEnd type="none" w="med" len="med"/>
+                    </a:lnL>
+                    <a:lnR w="12700" cap="flat" cmpd="sng" algn="ctr">
+                      <a:solidFill>
+                        <a:srgbClr val="000000"/>
+                      </a:solidFill>
+                      <a:prstDash val="solid"/>
+                      <a:round/>
+                      <a:headEnd type="none" w="med" len="med"/>
+                      <a:tailEnd type="none" w="med" len="med"/>
+                    </a:lnR>
+                    <a:lnT w="12700" cap="flat" cmpd="sng" algn="ctr">
+                      <a:solidFill>
+                        <a:srgbClr val="000000"/>
+                      </a:solidFill>
+                      <a:prstDash val="solid"/>
+                      <a:round/>
+                      <a:headEnd type="none" w="med" len="med"/>
+                      <a:tailEnd type="none" w="med" len="med"/>
+                    </a:lnT>
+                    <a:lnB w="12700" cap="flat" cmpd="sng" algn="ctr">
+                      <a:solidFill>
+                        <a:srgbClr val="000000"/>
+                      </a:solidFill>
+                      <a:prstDash val="solid"/>
+                      <a:round/>
+                      <a:headEnd type="none" w="med" len="med"/>
+                      <a:tailEnd type="none" w="med" len="med"/>
+                    </a:lnB>
+                    <a:lnTlToBr w="12700" cap="flat" cmpd="sng" algn="ctr">
+                      <a:noFill/>
+                      <a:prstDash val="solid"/>
+                      <a:round/>
+                      <a:headEnd type="none" w="med" len="med"/>
+                      <a:tailEnd type="none" w="med" len="med"/>
+                    </a:lnTlToBr>
+                    <a:lnBlToTr w="12700" cap="flat" cmpd="sng" algn="ctr">
+                      <a:noFill/>
+                      <a:prstDash val="solid"/>
+                      <a:round/>
+                      <a:headEnd type="none" w="med" len="med"/>
+                      <a:tailEnd type="none" w="med" len="med"/>
+                    </a:lnBlToTr>
+                    <a:solidFill>
+                      <a:srgbClr val="FFFFFF"/>
+                    </a:solidFill>
+                  </a:tcPr>
+                </a:tc>
+              </a:tr>
+              <a:tr h="361950">
+                <a:tc>
+                  <a:txBody>
+                    <a:bodyPr wrap="square" rtlCol="0">
+                      <a:spAutoFit/>
+                    </a:bodyPr>
+                    <a:lstStyle/>
+                    <a:p>
+                      <a:pPr algn="l" fontAlgn="base" marL="0" marR="0" indent="0" lvl="0"/>
+                      <a:r>
+                        <a:rPr b="false" i="false" strike="noStrike" sz="1000" u="none">
+                          <a:solidFill>
+                            <a:srgbClr val="000000"/>
+                          </a:solidFill>
+                          <a:latin typeface="Calibri"/>
+                        </a:rPr>
+                        <a:t><![CDATA[TORRE 2011 REPARACIÓN LOGO EN MÓDULOS LOGOS EN ACRILICOS BLANCO/TRASPARANETE DEPENDIENDO LOGO O LETRA]]></a:t>
+                      </a:r>
+                    </a:p>
+                  </a:txBody>
+                  <a:tcPr>
+                    <a:lnL w="12700" cap="flat" cmpd="sng" algn="ctr">
+                      <a:solidFill>
+                        <a:srgbClr val="000000"/>
+                      </a:solidFill>
+                      <a:prstDash val="solid"/>
+                      <a:round/>
+                      <a:headEnd type="none" w="med" len="med"/>
+                      <a:tailEnd type="none" w="med" len="med"/>
+                    </a:lnL>
+                    <a:lnR w="12700" cap="flat" cmpd="sng" algn="ctr">
+                      <a:solidFill>
+                        <a:srgbClr val="000000"/>
+                      </a:solidFill>
+                      <a:prstDash val="solid"/>
+                      <a:round/>
+                      <a:headEnd type="none" w="med" len="med"/>
+                      <a:tailEnd type="none" w="med" len="med"/>
+                    </a:lnR>
+                    <a:lnT w="12700" cap="flat" cmpd="sng" algn="ctr">
+                      <a:solidFill>
+                        <a:srgbClr val="000000"/>
+                      </a:solidFill>
+                      <a:prstDash val="solid"/>
+                      <a:round/>
+                      <a:headEnd type="none" w="med" len="med"/>
+                      <a:tailEnd type="none" w="med" len="med"/>
+                    </a:lnT>
+                    <a:lnB w="12700" cap="flat" cmpd="sng" algn="ctr">
+                      <a:solidFill>
+                        <a:srgbClr val="000000"/>
+                      </a:solidFill>
+                      <a:prstDash val="solid"/>
+                      <a:round/>
+                      <a:headEnd type="none" w="med" len="med"/>
+                      <a:tailEnd type="none" w="med" len="med"/>
+                    </a:lnB>
+                    <a:lnTlToBr w="12700" cap="flat" cmpd="sng" algn="ctr">
+                      <a:noFill/>
+                      <a:prstDash val="solid"/>
+                      <a:round/>
+                      <a:headEnd type="none" w="med" len="med"/>
+                      <a:tailEnd type="none" w="med" len="med"/>
+                    </a:lnTlToBr>
+                    <a:lnBlToTr w="12700" cap="flat" cmpd="sng" algn="ctr">
+                      <a:noFill/>
+                      <a:prstDash val="solid"/>
+                      <a:round/>
+                      <a:headEnd type="none" w="med" len="med"/>
+                      <a:tailEnd type="none" w="med" len="med"/>
+                    </a:lnBlToTr>
+                    <a:solidFill>
+                      <a:srgbClr val="FFFFFF"/>
+                    </a:solidFill>
+                  </a:tcPr>
+                </a:tc>
+                <a:tc>
+                  <a:txBody>
+                    <a:bodyPr wrap="square" rtlCol="0">
+                      <a:spAutoFit/>
+                    </a:bodyPr>
+                    <a:lstStyle/>
+                    <a:p>
+                      <a:pPr algn="r" fontAlgn="base" marL="0" marR="0" indent="0" lvl="0"/>
+                      <a:r>
+                        <a:rPr b="false" i="false" strike="noStrike" sz="1000" u="none">
+                          <a:solidFill>
+                            <a:srgbClr val="000000"/>
+                          </a:solidFill>
+                          <a:latin typeface="Calibri"/>
+                        </a:rPr>
+                        <a:t><![CDATA[1]]></a:t>
+                      </a:r>
+                    </a:p>
+                  </a:txBody>
+                  <a:tcPr>
+                    <a:lnL w="12700" cap="flat" cmpd="sng" algn="ctr">
+                      <a:solidFill>
+                        <a:srgbClr val="000000"/>
+                      </a:solidFill>
+                      <a:prstDash val="solid"/>
+                      <a:round/>
+                      <a:headEnd type="none" w="med" len="med"/>
+                      <a:tailEnd type="none" w="med" len="med"/>
+                    </a:lnL>
+                    <a:lnR w="12700" cap="flat" cmpd="sng" algn="ctr">
+                      <a:solidFill>
+                        <a:srgbClr val="000000"/>
+                      </a:solidFill>
+                      <a:prstDash val="solid"/>
+                      <a:round/>
+                      <a:headEnd type="none" w="med" len="med"/>
+                      <a:tailEnd type="none" w="med" len="med"/>
+                    </a:lnR>
+                    <a:lnT w="12700" cap="flat" cmpd="sng" algn="ctr">
+                      <a:solidFill>
+                        <a:srgbClr val="000000"/>
+                      </a:solidFill>
+                      <a:prstDash val="solid"/>
+                      <a:round/>
+                      <a:headEnd type="none" w="med" len="med"/>
+                      <a:tailEnd type="none" w="med" len="med"/>
+                    </a:lnT>
+                    <a:lnB w="12700" cap="flat" cmpd="sng" algn="ctr">
+                      <a:solidFill>
+                        <a:srgbClr val="000000"/>
+                      </a:solidFill>
+                      <a:prstDash val="solid"/>
+                      <a:round/>
+                      <a:headEnd type="none" w="med" len="med"/>
+                      <a:tailEnd type="none" w="med" len="med"/>
+                    </a:lnB>
+                    <a:lnTlToBr w="12700" cap="flat" cmpd="sng" algn="ctr">
+                      <a:noFill/>
+                      <a:prstDash val="solid"/>
+                      <a:round/>
+                      <a:headEnd type="none" w="med" len="med"/>
+                      <a:tailEnd type="none" w="med" len="med"/>
+                    </a:lnTlToBr>
+                    <a:lnBlToTr w="12700" cap="flat" cmpd="sng" algn="ctr">
+                      <a:noFill/>
+                      <a:prstDash val="solid"/>
+                      <a:round/>
+                      <a:headEnd type="none" w="med" len="med"/>
+                      <a:tailEnd type="none" w="med" len="med"/>
+                    </a:lnBlToTr>
+                    <a:solidFill>
+                      <a:srgbClr val="FFFFFF"/>
+                    </a:solidFill>
+                  </a:tcPr>
+                </a:tc>
+                <a:tc>
+                  <a:txBody>
+                    <a:bodyPr wrap="square" rtlCol="0">
+                      <a:spAutoFit/>
+                    </a:bodyPr>
+                    <a:lstStyle/>
+                    <a:p>
+                      <a:pPr algn="r" fontAlgn="base" marL="0" marR="0" indent="0" lvl="0"/>
+                      <a:r>
+                        <a:rPr b="false" i="false" strike="noStrike" sz="1000" u="none">
+                          <a:solidFill>
+                            <a:srgbClr val="000000"/>
+                          </a:solidFill>
+                          <a:latin typeface="Calibri"/>
+                        </a:rPr>
+                        <a:t><![CDATA[19076]]></a:t>
                       </a:r>
                     </a:p>
                   </a:txBody>
@@ -4755,7 +4982,7 @@
                       <a:headEnd type="none" w="med" len="med"/>
                       <a:tailEnd type="none" w="med" len="med"/>
                     </a:lnT>
-                    <a:lnB w="12700" cap="flat" cmpd="sng" algn="ctr">
+                    <a:lnB w="25400" cap="flat" cmpd="sng" algn="ctr">
                       <a:solidFill>
                         <a:srgbClr val="000000"/>
                       </a:solidFill>
@@ -4830,7 +5057,7 @@
                       <a:headEnd type="none" w="med" len="med"/>
                       <a:tailEnd type="none" w="med" len="med"/>
                     </a:lnT>
-                    <a:lnB w="12700" cap="flat" cmpd="sng" algn="ctr">
+                    <a:lnB w="25400" cap="flat" cmpd="sng" algn="ctr">
                       <a:solidFill>
                         <a:srgbClr val="000000"/>
                       </a:solidFill>
@@ -4874,233 +5101,6 @@
                           <a:latin typeface="Calibri"/>
                         </a:rPr>
                         <a:t><![CDATA[30120]]></a:t>
-                      </a:r>
-                    </a:p>
-                  </a:txBody>
-                  <a:tcPr>
-                    <a:lnL w="12700" cap="flat" cmpd="sng" algn="ctr">
-                      <a:solidFill>
-                        <a:srgbClr val="000000"/>
-                      </a:solidFill>
-                      <a:prstDash val="solid"/>
-                      <a:round/>
-                      <a:headEnd type="none" w="med" len="med"/>
-                      <a:tailEnd type="none" w="med" len="med"/>
-                    </a:lnL>
-                    <a:lnR w="12700" cap="flat" cmpd="sng" algn="ctr">
-                      <a:solidFill>
-                        <a:srgbClr val="000000"/>
-                      </a:solidFill>
-                      <a:prstDash val="solid"/>
-                      <a:round/>
-                      <a:headEnd type="none" w="med" len="med"/>
-                      <a:tailEnd type="none" w="med" len="med"/>
-                    </a:lnR>
-                    <a:lnT w="12700" cap="flat" cmpd="sng" algn="ctr">
-                      <a:solidFill>
-                        <a:srgbClr val="000000"/>
-                      </a:solidFill>
-                      <a:prstDash val="solid"/>
-                      <a:round/>
-                      <a:headEnd type="none" w="med" len="med"/>
-                      <a:tailEnd type="none" w="med" len="med"/>
-                    </a:lnT>
-                    <a:lnB w="12700" cap="flat" cmpd="sng" algn="ctr">
-                      <a:solidFill>
-                        <a:srgbClr val="000000"/>
-                      </a:solidFill>
-                      <a:prstDash val="solid"/>
-                      <a:round/>
-                      <a:headEnd type="none" w="med" len="med"/>
-                      <a:tailEnd type="none" w="med" len="med"/>
-                    </a:lnB>
-                    <a:lnTlToBr w="12700" cap="flat" cmpd="sng" algn="ctr">
-                      <a:noFill/>
-                      <a:prstDash val="solid"/>
-                      <a:round/>
-                      <a:headEnd type="none" w="med" len="med"/>
-                      <a:tailEnd type="none" w="med" len="med"/>
-                    </a:lnTlToBr>
-                    <a:lnBlToTr w="12700" cap="flat" cmpd="sng" algn="ctr">
-                      <a:noFill/>
-                      <a:prstDash val="solid"/>
-                      <a:round/>
-                      <a:headEnd type="none" w="med" len="med"/>
-                      <a:tailEnd type="none" w="med" len="med"/>
-                    </a:lnBlToTr>
-                    <a:solidFill>
-                      <a:srgbClr val="FFFFFF"/>
-                    </a:solidFill>
-                  </a:tcPr>
-                </a:tc>
-              </a:tr>
-              <a:tr h="361950">
-                <a:tc>
-                  <a:txBody>
-                    <a:bodyPr wrap="square" rtlCol="0">
-                      <a:spAutoFit/>
-                    </a:bodyPr>
-                    <a:lstStyle/>
-                    <a:p>
-                      <a:pPr algn="l" fontAlgn="base" marL="0" marR="0" indent="0" lvl="0"/>
-                      <a:r>
-                        <a:rPr b="false" i="false" strike="noStrike" sz="1000" u="none">
-                          <a:solidFill>
-                            <a:srgbClr val="000000"/>
-                          </a:solidFill>
-                          <a:latin typeface="Calibri"/>
-                        </a:rPr>
-                        <a:t><![CDATA[preuba MESON 2011]]></a:t>
-                      </a:r>
-                    </a:p>
-                  </a:txBody>
-                  <a:tcPr>
-                    <a:lnL w="12700" cap="flat" cmpd="sng" algn="ctr">
-                      <a:solidFill>
-                        <a:srgbClr val="000000"/>
-                      </a:solidFill>
-                      <a:prstDash val="solid"/>
-                      <a:round/>
-                      <a:headEnd type="none" w="med" len="med"/>
-                      <a:tailEnd type="none" w="med" len="med"/>
-                    </a:lnL>
-                    <a:lnR w="12700" cap="flat" cmpd="sng" algn="ctr">
-                      <a:solidFill>
-                        <a:srgbClr val="000000"/>
-                      </a:solidFill>
-                      <a:prstDash val="solid"/>
-                      <a:round/>
-                      <a:headEnd type="none" w="med" len="med"/>
-                      <a:tailEnd type="none" w="med" len="med"/>
-                    </a:lnR>
-                    <a:lnT w="12700" cap="flat" cmpd="sng" algn="ctr">
-                      <a:solidFill>
-                        <a:srgbClr val="000000"/>
-                      </a:solidFill>
-                      <a:prstDash val="solid"/>
-                      <a:round/>
-                      <a:headEnd type="none" w="med" len="med"/>
-                      <a:tailEnd type="none" w="med" len="med"/>
-                    </a:lnT>
-                    <a:lnB w="25400" cap="flat" cmpd="sng" algn="ctr">
-                      <a:solidFill>
-                        <a:srgbClr val="000000"/>
-                      </a:solidFill>
-                      <a:prstDash val="solid"/>
-                      <a:round/>
-                      <a:headEnd type="none" w="med" len="med"/>
-                      <a:tailEnd type="none" w="med" len="med"/>
-                    </a:lnB>
-                    <a:lnTlToBr w="12700" cap="flat" cmpd="sng" algn="ctr">
-                      <a:noFill/>
-                      <a:prstDash val="solid"/>
-                      <a:round/>
-                      <a:headEnd type="none" w="med" len="med"/>
-                      <a:tailEnd type="none" w="med" len="med"/>
-                    </a:lnTlToBr>
-                    <a:lnBlToTr w="12700" cap="flat" cmpd="sng" algn="ctr">
-                      <a:noFill/>
-                      <a:prstDash val="solid"/>
-                      <a:round/>
-                      <a:headEnd type="none" w="med" len="med"/>
-                      <a:tailEnd type="none" w="med" len="med"/>
-                    </a:lnBlToTr>
-                    <a:solidFill>
-                      <a:srgbClr val="FFFFFF"/>
-                    </a:solidFill>
-                  </a:tcPr>
-                </a:tc>
-                <a:tc>
-                  <a:txBody>
-                    <a:bodyPr wrap="square" rtlCol="0">
-                      <a:spAutoFit/>
-                    </a:bodyPr>
-                    <a:lstStyle/>
-                    <a:p>
-                      <a:pPr algn="r" fontAlgn="base" marL="0" marR="0" indent="0" lvl="0"/>
-                      <a:r>
-                        <a:rPr b="false" i="false" strike="noStrike" sz="1000" u="none">
-                          <a:solidFill>
-                            <a:srgbClr val="000000"/>
-                          </a:solidFill>
-                          <a:latin typeface="Calibri"/>
-                        </a:rPr>
-                        <a:t><![CDATA[1]]></a:t>
-                      </a:r>
-                    </a:p>
-                  </a:txBody>
-                  <a:tcPr>
-                    <a:lnL w="12700" cap="flat" cmpd="sng" algn="ctr">
-                      <a:solidFill>
-                        <a:srgbClr val="000000"/>
-                      </a:solidFill>
-                      <a:prstDash val="solid"/>
-                      <a:round/>
-                      <a:headEnd type="none" w="med" len="med"/>
-                      <a:tailEnd type="none" w="med" len="med"/>
-                    </a:lnL>
-                    <a:lnR w="12700" cap="flat" cmpd="sng" algn="ctr">
-                      <a:solidFill>
-                        <a:srgbClr val="000000"/>
-                      </a:solidFill>
-                      <a:prstDash val="solid"/>
-                      <a:round/>
-                      <a:headEnd type="none" w="med" len="med"/>
-                      <a:tailEnd type="none" w="med" len="med"/>
-                    </a:lnR>
-                    <a:lnT w="12700" cap="flat" cmpd="sng" algn="ctr">
-                      <a:solidFill>
-                        <a:srgbClr val="000000"/>
-                      </a:solidFill>
-                      <a:prstDash val="solid"/>
-                      <a:round/>
-                      <a:headEnd type="none" w="med" len="med"/>
-                      <a:tailEnd type="none" w="med" len="med"/>
-                    </a:lnT>
-                    <a:lnB w="25400" cap="flat" cmpd="sng" algn="ctr">
-                      <a:solidFill>
-                        <a:srgbClr val="000000"/>
-                      </a:solidFill>
-                      <a:prstDash val="solid"/>
-                      <a:round/>
-                      <a:headEnd type="none" w="med" len="med"/>
-                      <a:tailEnd type="none" w="med" len="med"/>
-                    </a:lnB>
-                    <a:lnTlToBr w="12700" cap="flat" cmpd="sng" algn="ctr">
-                      <a:noFill/>
-                      <a:prstDash val="solid"/>
-                      <a:round/>
-                      <a:headEnd type="none" w="med" len="med"/>
-                      <a:tailEnd type="none" w="med" len="med"/>
-                    </a:lnTlToBr>
-                    <a:lnBlToTr w="12700" cap="flat" cmpd="sng" algn="ctr">
-                      <a:noFill/>
-                      <a:prstDash val="solid"/>
-                      <a:round/>
-                      <a:headEnd type="none" w="med" len="med"/>
-                      <a:tailEnd type="none" w="med" len="med"/>
-                    </a:lnBlToTr>
-                    <a:solidFill>
-                      <a:srgbClr val="FFFFFF"/>
-                    </a:solidFill>
-                  </a:tcPr>
-                </a:tc>
-                <a:tc>
-                  <a:txBody>
-                    <a:bodyPr wrap="square" rtlCol="0">
-                      <a:spAutoFit/>
-                    </a:bodyPr>
-                    <a:lstStyle/>
-                    <a:p>
-                      <a:pPr algn="r" fontAlgn="base" marL="0" marR="0" indent="0" lvl="0"/>
-                      <a:r>
-                        <a:rPr b="false" i="false" strike="noStrike" sz="1000" u="none">
-                          <a:solidFill>
-                            <a:srgbClr val="000000"/>
-                          </a:solidFill>
-                          <a:latin typeface="Calibri"/>
-                        </a:rPr>
-                        <a:t><![CDATA[1123]]></a:t>
                       </a:r>
                     </a:p>
                   </a:txBody>
